--- a/slides/6 - Services.pptx
+++ b/slides/6 - Services.pptx
@@ -4086,7 +4086,7 @@
           <a:p>
             <a:r>
               <a:rPr lang="en-US" dirty="0"/>
-              <a:t>Steps to declare a service</a:t>
+              <a:t>Steps to declaring and using a service</a:t>
             </a:r>
           </a:p>
         </p:txBody>

--- a/slides/6 - Services.pptx
+++ b/slides/6 - Services.pptx
@@ -256,7 +256,7 @@
           <a:p>
             <a:fld id="{DCB1962B-5839-458A-8272-C9036C5C6085}" type="datetimeFigureOut">
               <a:rPr lang="en-US" smtClean="0"/>
-              <a:t>5/17/2016</a:t>
+              <a:t>6/22/2016</a:t>
             </a:fld>
             <a:endParaRPr lang="en-US"/>
           </a:p>
@@ -424,7 +424,7 @@
           <a:p>
             <a:fld id="{DCB1962B-5839-458A-8272-C9036C5C6085}" type="datetimeFigureOut">
               <a:rPr lang="en-US" smtClean="0"/>
-              <a:t>5/17/2016</a:t>
+              <a:t>6/22/2016</a:t>
             </a:fld>
             <a:endParaRPr lang="en-US"/>
           </a:p>
@@ -602,7 +602,7 @@
           <a:p>
             <a:fld id="{DCB1962B-5839-458A-8272-C9036C5C6085}" type="datetimeFigureOut">
               <a:rPr lang="en-US" smtClean="0"/>
-              <a:t>5/17/2016</a:t>
+              <a:t>6/22/2016</a:t>
             </a:fld>
             <a:endParaRPr lang="en-US"/>
           </a:p>
@@ -770,7 +770,7 @@
           <a:p>
             <a:fld id="{DCB1962B-5839-458A-8272-C9036C5C6085}" type="datetimeFigureOut">
               <a:rPr lang="en-US" smtClean="0"/>
-              <a:t>5/17/2016</a:t>
+              <a:t>6/22/2016</a:t>
             </a:fld>
             <a:endParaRPr lang="en-US"/>
           </a:p>
@@ -1015,7 +1015,7 @@
           <a:p>
             <a:fld id="{DCB1962B-5839-458A-8272-C9036C5C6085}" type="datetimeFigureOut">
               <a:rPr lang="en-US" smtClean="0"/>
-              <a:t>5/17/2016</a:t>
+              <a:t>6/22/2016</a:t>
             </a:fld>
             <a:endParaRPr lang="en-US"/>
           </a:p>
@@ -1244,7 +1244,7 @@
           <a:p>
             <a:fld id="{DCB1962B-5839-458A-8272-C9036C5C6085}" type="datetimeFigureOut">
               <a:rPr lang="en-US" smtClean="0"/>
-              <a:t>5/17/2016</a:t>
+              <a:t>6/22/2016</a:t>
             </a:fld>
             <a:endParaRPr lang="en-US"/>
           </a:p>
@@ -1608,7 +1608,7 @@
           <a:p>
             <a:fld id="{DCB1962B-5839-458A-8272-C9036C5C6085}" type="datetimeFigureOut">
               <a:rPr lang="en-US" smtClean="0"/>
-              <a:t>5/17/2016</a:t>
+              <a:t>6/22/2016</a:t>
             </a:fld>
             <a:endParaRPr lang="en-US"/>
           </a:p>
@@ -1725,7 +1725,7 @@
           <a:p>
             <a:fld id="{DCB1962B-5839-458A-8272-C9036C5C6085}" type="datetimeFigureOut">
               <a:rPr lang="en-US" smtClean="0"/>
-              <a:t>5/17/2016</a:t>
+              <a:t>6/22/2016</a:t>
             </a:fld>
             <a:endParaRPr lang="en-US"/>
           </a:p>
@@ -1820,7 +1820,7 @@
           <a:p>
             <a:fld id="{DCB1962B-5839-458A-8272-C9036C5C6085}" type="datetimeFigureOut">
               <a:rPr lang="en-US" smtClean="0"/>
-              <a:t>5/17/2016</a:t>
+              <a:t>6/22/2016</a:t>
             </a:fld>
             <a:endParaRPr lang="en-US"/>
           </a:p>
@@ -2095,7 +2095,7 @@
           <a:p>
             <a:fld id="{DCB1962B-5839-458A-8272-C9036C5C6085}" type="datetimeFigureOut">
               <a:rPr lang="en-US" smtClean="0"/>
-              <a:t>5/17/2016</a:t>
+              <a:t>6/22/2016</a:t>
             </a:fld>
             <a:endParaRPr lang="en-US"/>
           </a:p>
@@ -2347,7 +2347,7 @@
           <a:p>
             <a:fld id="{DCB1962B-5839-458A-8272-C9036C5C6085}" type="datetimeFigureOut">
               <a:rPr lang="en-US" smtClean="0"/>
-              <a:t>5/17/2016</a:t>
+              <a:t>6/22/2016</a:t>
             </a:fld>
             <a:endParaRPr lang="en-US"/>
           </a:p>
@@ -2558,7 +2558,7 @@
           <a:p>
             <a:fld id="{DCB1962B-5839-458A-8272-C9036C5C6085}" type="datetimeFigureOut">
               <a:rPr lang="en-US" smtClean="0"/>
-              <a:t>5/17/2016</a:t>
+              <a:t>6/22/2016</a:t>
             </a:fld>
             <a:endParaRPr lang="en-US"/>
           </a:p>
@@ -3305,21 +3305,8 @@
           <a:p>
             <a:r>
               <a:rPr lang="en-US" dirty="0"/>
-              <a:t>Good time </a:t>
-            </a:r>
-            <a:r>
-              <a:rPr lang="en-US" dirty="0" err="1"/>
-              <a:t>todddd</a:t>
-            </a:r>
-            <a:r>
-              <a:rPr lang="en-US" dirty="0"/>
-              <a:t> introduce… Lifecycle </a:t>
-            </a:r>
-            <a:r>
-              <a:rPr lang="en-US" dirty="0" err="1"/>
-              <a:t>hooks!ddd</a:t>
-            </a:r>
-            <a:endParaRPr lang="en-US" dirty="0"/>
+              <a:t>Good time to introduce… Lifecycle hooks!</a:t>
+            </a:r>
           </a:p>
         </p:txBody>
       </p:sp>
